--- a/inflearn03/doc/3(심화)상대경로절대경로기준경로.pptx
+++ b/inflearn03/doc/3(심화)상대경로절대경로기준경로.pptx
@@ -642,7 +642,7 @@
                 <a:latin typeface="맑은 고딕" panose="020B0503020000020004" pitchFamily="50" charset="-127"/>
                 <a:ea typeface="맑은 고딕" panose="020B0503020000020004" pitchFamily="50" charset="-127"/>
               </a:rPr>
-              <a:t>2021년 6월 18일</a:t>
+              <a:t>2021년 6월 25일</a:t>
             </a:fld>
             <a:endParaRPr lang="ko-KR" altLang="en-US">
               <a:latin typeface="맑은 고딕" panose="020B0503020000020004" pitchFamily="50" charset="-127"/>
@@ -828,7 +828,7 @@
             <a:fld id="{BE16EC8A-0758-4FA9-BF4D-3119057076D1}" type="datetime4">
               <a:rPr lang="ko-KR" altLang="en-US" smtClean="0"/>
               <a:pPr/>
-              <a:t>2021년 6월 18일</a:t>
+              <a:t>2021년 6월 25일</a:t>
             </a:fld>
             <a:endParaRPr lang="ko-KR" altLang="en-US"/>
           </a:p>
@@ -3310,7 +3310,7 @@
           <a:p>
             <a:fld id="{2A5B65E4-62A8-4988-B07B-5D6D443B14ED}" type="datetime4">
               <a:rPr lang="ko-KR" altLang="en-US" smtClean="0"/>
-              <a:t>2021년 6월 18일</a:t>
+              <a:t>2021년 6월 25일</a:t>
             </a:fld>
             <a:endParaRPr lang="ko-KR" altLang="en-US"/>
           </a:p>
@@ -3566,7 +3566,7 @@
           <a:p>
             <a:fld id="{58EB6286-0DE7-4336-9826-977AD102FCF2}" type="datetime4">
               <a:rPr lang="ko-KR" altLang="en-US" noProof="0" smtClean="0"/>
-              <a:t>2021년 6월 18일</a:t>
+              <a:t>2021년 6월 25일</a:t>
             </a:fld>
             <a:endParaRPr lang="ko-KR" altLang="en-US" noProof="0"/>
           </a:p>
@@ -3762,7 +3762,7 @@
             <a:pPr rtl="0"/>
             <a:fld id="{6A5419DA-7218-42E5-A443-F000500111E1}" type="datetime4">
               <a:rPr lang="ko-KR" altLang="en-US" noProof="0" smtClean="0"/>
-              <a:t>2021년 6월 18일</a:t>
+              <a:t>2021년 6월 25일</a:t>
             </a:fld>
             <a:endParaRPr lang="ko-KR" altLang="en-US" noProof="0"/>
           </a:p>
@@ -6163,7 +6163,7 @@
           <a:p>
             <a:fld id="{E498C52F-1DF1-4226-BAB6-C1E2EE4C9D62}" type="datetime4">
               <a:rPr lang="ko-KR" altLang="en-US" noProof="0" smtClean="0"/>
-              <a:t>2021년 6월 18일</a:t>
+              <a:t>2021년 6월 25일</a:t>
             </a:fld>
             <a:endParaRPr lang="ko-KR" altLang="en-US" noProof="0"/>
           </a:p>
@@ -6682,7 +6682,7 @@
           <a:p>
             <a:fld id="{7B1E1FFC-F755-4558-8D3C-A157D1A01A8A}" type="datetime4">
               <a:rPr lang="ko-KR" altLang="en-US" noProof="0" smtClean="0"/>
-              <a:t>2021년 6월 18일</a:t>
+              <a:t>2021년 6월 25일</a:t>
             </a:fld>
             <a:endParaRPr lang="ko-KR" altLang="en-US" noProof="0"/>
           </a:p>
@@ -6826,7 +6826,7 @@
             <a:pPr rtl="0"/>
             <a:fld id="{DA2A33C0-A4A8-4C90-B6DA-35B8CF58C816}" type="datetime4">
               <a:rPr lang="ko-KR" altLang="en-US" noProof="0" smtClean="0"/>
-              <a:t>2021년 6월 18일</a:t>
+              <a:t>2021년 6월 25일</a:t>
             </a:fld>
             <a:endParaRPr lang="ko-KR" altLang="en-US" noProof="0"/>
           </a:p>
@@ -8774,7 +8774,7 @@
           <a:p>
             <a:fld id="{53CB1B8F-A14A-4BE4-A9B9-3B263F04145C}" type="datetime4">
               <a:rPr lang="ko-KR" altLang="en-US" noProof="0" smtClean="0"/>
-              <a:t>2021년 6월 18일</a:t>
+              <a:t>2021년 6월 25일</a:t>
             </a:fld>
             <a:endParaRPr lang="ko-KR" altLang="en-US" noProof="0"/>
           </a:p>
@@ -11071,7 +11071,7 @@
           <a:p>
             <a:fld id="{5B9196A3-957C-4113-A568-B6ED9AEA3D01}" type="datetime4">
               <a:rPr lang="ko-KR" altLang="en-US" noProof="0" smtClean="0"/>
-              <a:t>2021년 6월 18일</a:t>
+              <a:t>2021년 6월 25일</a:t>
             </a:fld>
             <a:endParaRPr lang="ko-KR" altLang="en-US" noProof="0"/>
           </a:p>
@@ -15388,7 +15388,7 @@
           <a:p>
             <a:fld id="{28BEB146-D335-4DA5-9826-58595BCDBE2E}" type="datetime4">
               <a:rPr lang="ko-KR" altLang="en-US" noProof="0" smtClean="0"/>
-              <a:t>2021년 6월 18일</a:t>
+              <a:t>2021년 6월 25일</a:t>
             </a:fld>
             <a:endParaRPr lang="ko-KR" altLang="en-US" noProof="0"/>
           </a:p>
@@ -16528,7 +16528,7 @@
             <a:pPr lvl="1"/>
             <a:r>
               <a:rPr lang="en-US" altLang="ko-KR"/>
-              <a:t>className+”SELECT”</a:t>
+              <a:t>className+”LIST”</a:t>
             </a:r>
           </a:p>
           <a:p>
@@ -16956,7 +16956,7 @@
             <a:pPr lvl="1"/>
             <a:r>
               <a:rPr lang="en-US" altLang="ko-KR"/>
-              <a:t>[WEB_APP_ROOT]/web</a:t>
+              <a:t>[APP_ROOT]/web</a:t>
             </a:r>
           </a:p>
           <a:p>
@@ -16992,10 +16992,10 @@
       </p:sp>
       <p:pic>
         <p:nvPicPr>
-          <p:cNvPr id="5" name="그림 4">
+          <p:cNvPr id="6" name="그림 5">
             <a:extLst>
               <a:ext uri="{FF2B5EF4-FFF2-40B4-BE49-F238E27FC236}">
-                <a16:creationId xmlns:a16="http://schemas.microsoft.com/office/drawing/2014/main" id="{6EC499D1-D068-4A1E-84B9-CA20361FDD80}"/>
+                <a16:creationId xmlns:a16="http://schemas.microsoft.com/office/drawing/2014/main" id="{00823112-92B7-4BC8-BAF8-C2307CB364A8}"/>
               </a:ext>
             </a:extLst>
           </p:cNvPr>
@@ -17012,8 +17012,8 @@
         </p:blipFill>
         <p:spPr>
           <a:xfrm>
-            <a:off x="5629468" y="3429000"/>
-            <a:ext cx="4477375" cy="2448267"/>
+            <a:off x="6828857" y="2247735"/>
+            <a:ext cx="4067743" cy="2362530"/>
           </a:xfrm>
           <a:prstGeom prst="rect">
             <a:avLst/>
